--- a/Instruction screens.pptx
+++ b/Instruction screens.pptx
@@ -9,6 +9,8 @@
     <p:sldId id="257" r:id="rId3"/>
     <p:sldId id="258" r:id="rId4"/>
     <p:sldId id="259" r:id="rId5"/>
+    <p:sldId id="261" r:id="rId6"/>
+    <p:sldId id="262" r:id="rId7"/>
   </p:sldIdLst>
   <p:sldSz cx="12192000" cy="6858000"/>
   <p:notesSz cx="6858000" cy="9144000"/>
@@ -107,6 +109,11 @@
       </a:defRPr>
     </a:lvl9pPr>
   </p:defaultTextStyle>
+  <p:extLst>
+    <p:ext uri="{EFAFB233-063F-42B5-8137-9DF3F51BA10A}">
+      <p15:sldGuideLst xmlns:p15="http://schemas.microsoft.com/office/powerpoint/2012/main"/>
+    </p:ext>
+  </p:extLst>
 </p:presentation>
 </file>
 
@@ -4382,6 +4389,746 @@
 </p:sld>
 </file>
 
+<file path=ppt/slides/slide5.xml><?xml version="1.0" encoding="utf-8"?>
+<p:sld xmlns:a="http://schemas.openxmlformats.org/drawingml/2006/main" xmlns:r="http://schemas.openxmlformats.org/officeDocument/2006/relationships" xmlns:p="http://schemas.openxmlformats.org/presentationml/2006/main">
+  <p:cSld>
+    <p:spTree>
+      <p:nvGrpSpPr>
+        <p:cNvPr id="1" name=""/>
+        <p:cNvGrpSpPr/>
+        <p:nvPr/>
+      </p:nvGrpSpPr>
+      <p:grpSpPr>
+        <a:xfrm>
+          <a:off x="0" y="0"/>
+          <a:ext cx="0" cy="0"/>
+          <a:chOff x="0" y="0"/>
+          <a:chExt cx="0" cy="0"/>
+        </a:xfrm>
+      </p:grpSpPr>
+      <p:pic>
+        <p:nvPicPr>
+          <p:cNvPr id="9" name="Picture 8">
+            <a:extLst>
+              <a:ext uri="{FF2B5EF4-FFF2-40B4-BE49-F238E27FC236}">
+                <a16:creationId xmlns:a16="http://schemas.microsoft.com/office/drawing/2014/main" id="{5073A8EB-F9F7-4B32-AFA1-96ECF3320C4E}"/>
+              </a:ext>
+            </a:extLst>
+          </p:cNvPr>
+          <p:cNvPicPr>
+            <a:picLocks noChangeAspect="1"/>
+          </p:cNvPicPr>
+          <p:nvPr/>
+        </p:nvPicPr>
+        <p:blipFill rotWithShape="1">
+          <a:blip r:embed="rId2">
+            <a:extLst>
+              <a:ext uri="{28A0092B-C50C-407E-A947-70E740481C1C}">
+                <a14:useLocalDpi xmlns:a14="http://schemas.microsoft.com/office/drawing/2010/main" val="0"/>
+              </a:ext>
+            </a:extLst>
+          </a:blip>
+          <a:srcRect t="3680" b="3680"/>
+          <a:stretch/>
+        </p:blipFill>
+        <p:spPr>
+          <a:xfrm>
+            <a:off x="3621940" y="2256639"/>
+            <a:ext cx="4948120" cy="2827090"/>
+          </a:xfrm>
+          <a:prstGeom prst="rect">
+            <a:avLst/>
+          </a:prstGeom>
+        </p:spPr>
+      </p:pic>
+      <p:sp>
+        <p:nvSpPr>
+          <p:cNvPr id="10" name="Callout: Line 9">
+            <a:extLst>
+              <a:ext uri="{FF2B5EF4-FFF2-40B4-BE49-F238E27FC236}">
+                <a16:creationId xmlns:a16="http://schemas.microsoft.com/office/drawing/2014/main" id="{448F31B0-604E-432B-96FD-A91A118FD117}"/>
+              </a:ext>
+            </a:extLst>
+          </p:cNvPr>
+          <p:cNvSpPr/>
+          <p:nvPr/>
+        </p:nvSpPr>
+        <p:spPr>
+          <a:xfrm>
+            <a:off x="8287285" y="1417739"/>
+            <a:ext cx="1888561" cy="738232"/>
+          </a:xfrm>
+          <a:prstGeom prst="borderCallout1">
+            <a:avLst>
+              <a:gd name="adj1" fmla="val 50124"/>
+              <a:gd name="adj2" fmla="val 550"/>
+              <a:gd name="adj3" fmla="val 211758"/>
+              <a:gd name="adj4" fmla="val -63858"/>
+            </a:avLst>
+          </a:prstGeom>
+          <a:solidFill>
+            <a:schemeClr val="bg1"/>
+          </a:solidFill>
+        </p:spPr>
+        <p:style>
+          <a:lnRef idx="2">
+            <a:schemeClr val="accent1">
+              <a:shade val="50000"/>
+            </a:schemeClr>
+          </a:lnRef>
+          <a:fillRef idx="1">
+            <a:schemeClr val="accent1"/>
+          </a:fillRef>
+          <a:effectRef idx="0">
+            <a:schemeClr val="accent1"/>
+          </a:effectRef>
+          <a:fontRef idx="minor">
+            <a:schemeClr val="lt1"/>
+          </a:fontRef>
+        </p:style>
+        <p:txBody>
+          <a:bodyPr rtlCol="0" anchor="ctr"/>
+          <a:lstStyle/>
+          <a:p>
+            <a:pPr algn="ctr"/>
+            <a:r>
+              <a:rPr lang="en-US" dirty="0">
+                <a:solidFill>
+                  <a:sysClr val="windowText" lastClr="000000"/>
+                </a:solidFill>
+              </a:rPr>
+              <a:t>Move sideway right</a:t>
+            </a:r>
+          </a:p>
+        </p:txBody>
+      </p:sp>
+      <p:sp>
+        <p:nvSpPr>
+          <p:cNvPr id="11" name="Callout: Line 10">
+            <a:extLst>
+              <a:ext uri="{FF2B5EF4-FFF2-40B4-BE49-F238E27FC236}">
+                <a16:creationId xmlns:a16="http://schemas.microsoft.com/office/drawing/2014/main" id="{BBAAFB56-BBA8-48C0-9371-C17C9D72061D}"/>
+              </a:ext>
+            </a:extLst>
+          </p:cNvPr>
+          <p:cNvSpPr/>
+          <p:nvPr/>
+        </p:nvSpPr>
+        <p:spPr>
+          <a:xfrm>
+            <a:off x="8287284" y="5184397"/>
+            <a:ext cx="1888561" cy="738232"/>
+          </a:xfrm>
+          <a:prstGeom prst="borderCallout1">
+            <a:avLst>
+              <a:gd name="adj1" fmla="val 50124"/>
+              <a:gd name="adj2" fmla="val 550"/>
+              <a:gd name="adj3" fmla="val -88242"/>
+              <a:gd name="adj4" fmla="val -48311"/>
+            </a:avLst>
+          </a:prstGeom>
+          <a:solidFill>
+            <a:schemeClr val="bg1"/>
+          </a:solidFill>
+        </p:spPr>
+        <p:style>
+          <a:lnRef idx="2">
+            <a:schemeClr val="accent1">
+              <a:shade val="50000"/>
+            </a:schemeClr>
+          </a:lnRef>
+          <a:fillRef idx="1">
+            <a:schemeClr val="accent1"/>
+          </a:fillRef>
+          <a:effectRef idx="0">
+            <a:schemeClr val="accent1"/>
+          </a:effectRef>
+          <a:fontRef idx="minor">
+            <a:schemeClr val="lt1"/>
+          </a:fontRef>
+        </p:style>
+        <p:txBody>
+          <a:bodyPr rtlCol="0" anchor="ctr"/>
+          <a:lstStyle/>
+          <a:p>
+            <a:pPr algn="ctr"/>
+            <a:r>
+              <a:rPr lang="en-US" dirty="0">
+                <a:solidFill>
+                  <a:sysClr val="windowText" lastClr="000000"/>
+                </a:solidFill>
+              </a:rPr>
+              <a:t>Rotate right</a:t>
+            </a:r>
+          </a:p>
+        </p:txBody>
+      </p:sp>
+      <p:sp>
+        <p:nvSpPr>
+          <p:cNvPr id="12" name="Callout: Line 11">
+            <a:extLst>
+              <a:ext uri="{FF2B5EF4-FFF2-40B4-BE49-F238E27FC236}">
+                <a16:creationId xmlns:a16="http://schemas.microsoft.com/office/drawing/2014/main" id="{734D8B9E-38CA-4762-A8E6-F605967CB3C7}"/>
+              </a:ext>
+            </a:extLst>
+          </p:cNvPr>
+          <p:cNvSpPr/>
+          <p:nvPr/>
+        </p:nvSpPr>
+        <p:spPr>
+          <a:xfrm>
+            <a:off x="5151719" y="5528346"/>
+            <a:ext cx="1888561" cy="738232"/>
+          </a:xfrm>
+          <a:prstGeom prst="borderCallout1">
+            <a:avLst>
+              <a:gd name="adj1" fmla="val 124"/>
+              <a:gd name="adj2" fmla="val 48968"/>
+              <a:gd name="adj3" fmla="val -132560"/>
+              <a:gd name="adj4" fmla="val 51634"/>
+            </a:avLst>
+          </a:prstGeom>
+          <a:solidFill>
+            <a:schemeClr val="bg1"/>
+          </a:solidFill>
+        </p:spPr>
+        <p:style>
+          <a:lnRef idx="2">
+            <a:schemeClr val="accent1">
+              <a:shade val="50000"/>
+            </a:schemeClr>
+          </a:lnRef>
+          <a:fillRef idx="1">
+            <a:schemeClr val="accent1"/>
+          </a:fillRef>
+          <a:effectRef idx="0">
+            <a:schemeClr val="accent1"/>
+          </a:effectRef>
+          <a:fontRef idx="minor">
+            <a:schemeClr val="lt1"/>
+          </a:fontRef>
+        </p:style>
+        <p:txBody>
+          <a:bodyPr rtlCol="0" anchor="ctr"/>
+          <a:lstStyle/>
+          <a:p>
+            <a:pPr algn="ctr"/>
+            <a:r>
+              <a:rPr lang="en-US" dirty="0">
+                <a:solidFill>
+                  <a:sysClr val="windowText" lastClr="000000"/>
+                </a:solidFill>
+              </a:rPr>
+              <a:t>Emergency stop</a:t>
+            </a:r>
+          </a:p>
+        </p:txBody>
+      </p:sp>
+      <p:sp>
+        <p:nvSpPr>
+          <p:cNvPr id="13" name="Callout: Line 12">
+            <a:extLst>
+              <a:ext uri="{FF2B5EF4-FFF2-40B4-BE49-F238E27FC236}">
+                <a16:creationId xmlns:a16="http://schemas.microsoft.com/office/drawing/2014/main" id="{36F7AEBE-75FD-4E9F-BF12-9FA6F2E038AD}"/>
+              </a:ext>
+            </a:extLst>
+          </p:cNvPr>
+          <p:cNvSpPr/>
+          <p:nvPr/>
+        </p:nvSpPr>
+        <p:spPr>
+          <a:xfrm>
+            <a:off x="5151719" y="926983"/>
+            <a:ext cx="1888561" cy="738232"/>
+          </a:xfrm>
+          <a:prstGeom prst="borderCallout1">
+            <a:avLst>
+              <a:gd name="adj1" fmla="val 101260"/>
+              <a:gd name="adj2" fmla="val 49856"/>
+              <a:gd name="adj3" fmla="val 270849"/>
+              <a:gd name="adj4" fmla="val 38309"/>
+            </a:avLst>
+          </a:prstGeom>
+          <a:solidFill>
+            <a:schemeClr val="bg1"/>
+          </a:solidFill>
+        </p:spPr>
+        <p:style>
+          <a:lnRef idx="2">
+            <a:schemeClr val="accent1">
+              <a:shade val="50000"/>
+            </a:schemeClr>
+          </a:lnRef>
+          <a:fillRef idx="1">
+            <a:schemeClr val="accent1"/>
+          </a:fillRef>
+          <a:effectRef idx="0">
+            <a:schemeClr val="accent1"/>
+          </a:effectRef>
+          <a:fontRef idx="minor">
+            <a:schemeClr val="lt1"/>
+          </a:fontRef>
+        </p:style>
+        <p:txBody>
+          <a:bodyPr rtlCol="0" anchor="ctr"/>
+          <a:lstStyle/>
+          <a:p>
+            <a:pPr algn="ctr"/>
+            <a:r>
+              <a:rPr lang="en-US" dirty="0">
+                <a:solidFill>
+                  <a:sysClr val="windowText" lastClr="000000"/>
+                </a:solidFill>
+              </a:rPr>
+              <a:t>Move forward</a:t>
+            </a:r>
+          </a:p>
+        </p:txBody>
+      </p:sp>
+      <p:sp>
+        <p:nvSpPr>
+          <p:cNvPr id="14" name="Callout: Line 13">
+            <a:extLst>
+              <a:ext uri="{FF2B5EF4-FFF2-40B4-BE49-F238E27FC236}">
+                <a16:creationId xmlns:a16="http://schemas.microsoft.com/office/drawing/2014/main" id="{B8D7FD5E-3906-4157-A65C-61575EBC2524}"/>
+              </a:ext>
+            </a:extLst>
+          </p:cNvPr>
+          <p:cNvSpPr/>
+          <p:nvPr/>
+        </p:nvSpPr>
+        <p:spPr>
+          <a:xfrm>
+            <a:off x="1850825" y="1417739"/>
+            <a:ext cx="1888561" cy="738232"/>
+          </a:xfrm>
+          <a:prstGeom prst="borderCallout1">
+            <a:avLst>
+              <a:gd name="adj1" fmla="val 48988"/>
+              <a:gd name="adj2" fmla="val 99607"/>
+              <a:gd name="adj3" fmla="val 217440"/>
+              <a:gd name="adj4" fmla="val 138253"/>
+            </a:avLst>
+          </a:prstGeom>
+          <a:solidFill>
+            <a:schemeClr val="bg1"/>
+          </a:solidFill>
+        </p:spPr>
+        <p:style>
+          <a:lnRef idx="2">
+            <a:schemeClr val="accent1">
+              <a:shade val="50000"/>
+            </a:schemeClr>
+          </a:lnRef>
+          <a:fillRef idx="1">
+            <a:schemeClr val="accent1"/>
+          </a:fillRef>
+          <a:effectRef idx="0">
+            <a:schemeClr val="accent1"/>
+          </a:effectRef>
+          <a:fontRef idx="minor">
+            <a:schemeClr val="lt1"/>
+          </a:fontRef>
+        </p:style>
+        <p:txBody>
+          <a:bodyPr rtlCol="0" anchor="ctr"/>
+          <a:lstStyle/>
+          <a:p>
+            <a:pPr algn="ctr"/>
+            <a:r>
+              <a:rPr lang="en-US" dirty="0">
+                <a:solidFill>
+                  <a:sysClr val="windowText" lastClr="000000"/>
+                </a:solidFill>
+              </a:rPr>
+              <a:t>Move sideway left</a:t>
+            </a:r>
+          </a:p>
+        </p:txBody>
+      </p:sp>
+      <p:sp>
+        <p:nvSpPr>
+          <p:cNvPr id="15" name="Callout: Line 14">
+            <a:extLst>
+              <a:ext uri="{FF2B5EF4-FFF2-40B4-BE49-F238E27FC236}">
+                <a16:creationId xmlns:a16="http://schemas.microsoft.com/office/drawing/2014/main" id="{A22FF6E7-19BD-47EE-91FD-0390F5BBB6F0}"/>
+              </a:ext>
+            </a:extLst>
+          </p:cNvPr>
+          <p:cNvSpPr/>
+          <p:nvPr/>
+        </p:nvSpPr>
+        <p:spPr>
+          <a:xfrm>
+            <a:off x="1850824" y="5184397"/>
+            <a:ext cx="1888561" cy="738232"/>
+          </a:xfrm>
+          <a:prstGeom prst="borderCallout1">
+            <a:avLst>
+              <a:gd name="adj1" fmla="val 48988"/>
+              <a:gd name="adj2" fmla="val 99607"/>
+              <a:gd name="adj3" fmla="val -90514"/>
+              <a:gd name="adj4" fmla="val 159130"/>
+            </a:avLst>
+          </a:prstGeom>
+          <a:solidFill>
+            <a:schemeClr val="bg1"/>
+          </a:solidFill>
+        </p:spPr>
+        <p:style>
+          <a:lnRef idx="2">
+            <a:schemeClr val="accent1">
+              <a:shade val="50000"/>
+            </a:schemeClr>
+          </a:lnRef>
+          <a:fillRef idx="1">
+            <a:schemeClr val="accent1"/>
+          </a:fillRef>
+          <a:effectRef idx="0">
+            <a:schemeClr val="accent1"/>
+          </a:effectRef>
+          <a:fontRef idx="minor">
+            <a:schemeClr val="lt1"/>
+          </a:fontRef>
+        </p:style>
+        <p:txBody>
+          <a:bodyPr rtlCol="0" anchor="ctr"/>
+          <a:lstStyle/>
+          <a:p>
+            <a:pPr algn="ctr"/>
+            <a:r>
+              <a:rPr lang="en-US" dirty="0">
+                <a:solidFill>
+                  <a:sysClr val="windowText" lastClr="000000"/>
+                </a:solidFill>
+              </a:rPr>
+              <a:t>Rotate left</a:t>
+            </a:r>
+          </a:p>
+        </p:txBody>
+      </p:sp>
+    </p:spTree>
+    <p:extLst>
+      <p:ext uri="{BB962C8B-B14F-4D97-AF65-F5344CB8AC3E}">
+        <p14:creationId xmlns:p14="http://schemas.microsoft.com/office/powerpoint/2010/main" val="3346673695"/>
+      </p:ext>
+    </p:extLst>
+  </p:cSld>
+  <p:clrMapOvr>
+    <a:masterClrMapping/>
+  </p:clrMapOvr>
+</p:sld>
+</file>
+
+<file path=ppt/slides/slide6.xml><?xml version="1.0" encoding="utf-8"?>
+<p:sld xmlns:a="http://schemas.openxmlformats.org/drawingml/2006/main" xmlns:r="http://schemas.openxmlformats.org/officeDocument/2006/relationships" xmlns:p="http://schemas.openxmlformats.org/presentationml/2006/main">
+  <p:cSld>
+    <p:spTree>
+      <p:nvGrpSpPr>
+        <p:cNvPr id="1" name=""/>
+        <p:cNvGrpSpPr/>
+        <p:nvPr/>
+      </p:nvGrpSpPr>
+      <p:grpSpPr>
+        <a:xfrm>
+          <a:off x="0" y="0"/>
+          <a:ext cx="0" cy="0"/>
+          <a:chOff x="0" y="0"/>
+          <a:chExt cx="0" cy="0"/>
+        </a:xfrm>
+      </p:grpSpPr>
+      <p:pic>
+        <p:nvPicPr>
+          <p:cNvPr id="5" name="Picture 4">
+            <a:extLst>
+              <a:ext uri="{FF2B5EF4-FFF2-40B4-BE49-F238E27FC236}">
+                <a16:creationId xmlns:a16="http://schemas.microsoft.com/office/drawing/2014/main" id="{22051917-2C65-45E4-9CC0-A8EBE225CA76}"/>
+              </a:ext>
+            </a:extLst>
+          </p:cNvPr>
+          <p:cNvPicPr>
+            <a:picLocks noChangeAspect="1"/>
+          </p:cNvPicPr>
+          <p:nvPr/>
+        </p:nvPicPr>
+        <p:blipFill>
+          <a:blip r:embed="rId2">
+            <a:extLst>
+              <a:ext uri="{28A0092B-C50C-407E-A947-70E740481C1C}">
+                <a14:useLocalDpi xmlns:a14="http://schemas.microsoft.com/office/drawing/2010/main" val="0"/>
+              </a:ext>
+            </a:extLst>
+          </a:blip>
+          <a:srcRect/>
+          <a:stretch/>
+        </p:blipFill>
+        <p:spPr>
+          <a:xfrm>
+            <a:off x="4197292" y="2105329"/>
+            <a:ext cx="3797416" cy="2647341"/>
+          </a:xfrm>
+          <a:prstGeom prst="rect">
+            <a:avLst/>
+          </a:prstGeom>
+        </p:spPr>
+      </p:pic>
+      <p:sp>
+        <p:nvSpPr>
+          <p:cNvPr id="6" name="Callout: Line 5">
+            <a:extLst>
+              <a:ext uri="{FF2B5EF4-FFF2-40B4-BE49-F238E27FC236}">
+                <a16:creationId xmlns:a16="http://schemas.microsoft.com/office/drawing/2014/main" id="{A54BF958-DC17-4CE9-A895-2DF1D5A98C97}"/>
+              </a:ext>
+            </a:extLst>
+          </p:cNvPr>
+          <p:cNvSpPr/>
+          <p:nvPr/>
+        </p:nvSpPr>
+        <p:spPr>
+          <a:xfrm>
+            <a:off x="5151719" y="423644"/>
+            <a:ext cx="1888561" cy="738232"/>
+          </a:xfrm>
+          <a:prstGeom prst="borderCallout1">
+            <a:avLst>
+              <a:gd name="adj1" fmla="val 101260"/>
+              <a:gd name="adj2" fmla="val 49856"/>
+              <a:gd name="adj3" fmla="val 283349"/>
+              <a:gd name="adj4" fmla="val 50302"/>
+            </a:avLst>
+          </a:prstGeom>
+          <a:solidFill>
+            <a:schemeClr val="bg1"/>
+          </a:solidFill>
+        </p:spPr>
+        <p:style>
+          <a:lnRef idx="2">
+            <a:schemeClr val="accent1">
+              <a:shade val="50000"/>
+            </a:schemeClr>
+          </a:lnRef>
+          <a:fillRef idx="1">
+            <a:schemeClr val="accent1"/>
+          </a:fillRef>
+          <a:effectRef idx="0">
+            <a:schemeClr val="accent1"/>
+          </a:effectRef>
+          <a:fontRef idx="minor">
+            <a:schemeClr val="lt1"/>
+          </a:fontRef>
+        </p:style>
+        <p:txBody>
+          <a:bodyPr rtlCol="0" anchor="ctr"/>
+          <a:lstStyle/>
+          <a:p>
+            <a:pPr algn="ctr"/>
+            <a:r>
+              <a:rPr lang="en-US" dirty="0">
+                <a:solidFill>
+                  <a:sysClr val="windowText" lastClr="000000"/>
+                </a:solidFill>
+              </a:rPr>
+              <a:t>Look up</a:t>
+            </a:r>
+          </a:p>
+        </p:txBody>
+      </p:sp>
+      <p:sp>
+        <p:nvSpPr>
+          <p:cNvPr id="7" name="Callout: Line 6">
+            <a:extLst>
+              <a:ext uri="{FF2B5EF4-FFF2-40B4-BE49-F238E27FC236}">
+                <a16:creationId xmlns:a16="http://schemas.microsoft.com/office/drawing/2014/main" id="{CB5E18E6-A096-47EB-B22C-06855971222B}"/>
+              </a:ext>
+            </a:extLst>
+          </p:cNvPr>
+          <p:cNvSpPr/>
+          <p:nvPr/>
+        </p:nvSpPr>
+        <p:spPr>
+          <a:xfrm>
+            <a:off x="5174089" y="5696124"/>
+            <a:ext cx="1888561" cy="738232"/>
+          </a:xfrm>
+          <a:prstGeom prst="borderCallout1">
+            <a:avLst>
+              <a:gd name="adj1" fmla="val -189649"/>
+              <a:gd name="adj2" fmla="val 62293"/>
+              <a:gd name="adj3" fmla="val 376"/>
+              <a:gd name="adj4" fmla="val 50470"/>
+            </a:avLst>
+          </a:prstGeom>
+          <a:solidFill>
+            <a:schemeClr val="bg1"/>
+          </a:solidFill>
+        </p:spPr>
+        <p:style>
+          <a:lnRef idx="2">
+            <a:schemeClr val="accent1">
+              <a:shade val="50000"/>
+            </a:schemeClr>
+          </a:lnRef>
+          <a:fillRef idx="1">
+            <a:schemeClr val="accent1"/>
+          </a:fillRef>
+          <a:effectRef idx="0">
+            <a:schemeClr val="accent1"/>
+          </a:effectRef>
+          <a:fontRef idx="minor">
+            <a:schemeClr val="lt1"/>
+          </a:fontRef>
+        </p:style>
+        <p:txBody>
+          <a:bodyPr rtlCol="0" anchor="ctr"/>
+          <a:lstStyle/>
+          <a:p>
+            <a:pPr algn="ctr"/>
+            <a:r>
+              <a:rPr lang="en-US" dirty="0">
+                <a:solidFill>
+                  <a:sysClr val="windowText" lastClr="000000"/>
+                </a:solidFill>
+              </a:rPr>
+              <a:t>Look down</a:t>
+            </a:r>
+          </a:p>
+        </p:txBody>
+      </p:sp>
+      <p:sp>
+        <p:nvSpPr>
+          <p:cNvPr id="8" name="Callout: Line 7">
+            <a:extLst>
+              <a:ext uri="{FF2B5EF4-FFF2-40B4-BE49-F238E27FC236}">
+                <a16:creationId xmlns:a16="http://schemas.microsoft.com/office/drawing/2014/main" id="{5E37F4BC-4F7D-4B89-BAAD-653EA4BDCC22}"/>
+              </a:ext>
+            </a:extLst>
+          </p:cNvPr>
+          <p:cNvSpPr/>
+          <p:nvPr/>
+        </p:nvSpPr>
+        <p:spPr>
+          <a:xfrm>
+            <a:off x="8810717" y="2975994"/>
+            <a:ext cx="1888561" cy="738232"/>
+          </a:xfrm>
+          <a:prstGeom prst="borderCallout1">
+            <a:avLst>
+              <a:gd name="adj1" fmla="val 51260"/>
+              <a:gd name="adj2" fmla="val -339"/>
+              <a:gd name="adj3" fmla="val 132213"/>
+              <a:gd name="adj4" fmla="val -59416"/>
+            </a:avLst>
+          </a:prstGeom>
+          <a:solidFill>
+            <a:schemeClr val="bg1"/>
+          </a:solidFill>
+        </p:spPr>
+        <p:style>
+          <a:lnRef idx="2">
+            <a:schemeClr val="accent1">
+              <a:shade val="50000"/>
+            </a:schemeClr>
+          </a:lnRef>
+          <a:fillRef idx="1">
+            <a:schemeClr val="accent1"/>
+          </a:fillRef>
+          <a:effectRef idx="0">
+            <a:schemeClr val="accent1"/>
+          </a:effectRef>
+          <a:fontRef idx="minor">
+            <a:schemeClr val="lt1"/>
+          </a:fontRef>
+        </p:style>
+        <p:txBody>
+          <a:bodyPr rtlCol="0" anchor="ctr"/>
+          <a:lstStyle/>
+          <a:p>
+            <a:pPr algn="ctr"/>
+            <a:r>
+              <a:rPr lang="en-US" dirty="0">
+                <a:solidFill>
+                  <a:sysClr val="windowText" lastClr="000000"/>
+                </a:solidFill>
+              </a:rPr>
+              <a:t>Look right</a:t>
+            </a:r>
+          </a:p>
+        </p:txBody>
+      </p:sp>
+      <p:sp>
+        <p:nvSpPr>
+          <p:cNvPr id="9" name="Callout: Line 8">
+            <a:extLst>
+              <a:ext uri="{FF2B5EF4-FFF2-40B4-BE49-F238E27FC236}">
+                <a16:creationId xmlns:a16="http://schemas.microsoft.com/office/drawing/2014/main" id="{96298CE9-81C5-4445-9BE5-17AECEE01808}"/>
+              </a:ext>
+            </a:extLst>
+          </p:cNvPr>
+          <p:cNvSpPr/>
+          <p:nvPr/>
+        </p:nvSpPr>
+        <p:spPr>
+          <a:xfrm>
+            <a:off x="1492722" y="2975994"/>
+            <a:ext cx="1888561" cy="738232"/>
+          </a:xfrm>
+          <a:prstGeom prst="borderCallout1">
+            <a:avLst>
+              <a:gd name="adj1" fmla="val 51260"/>
+              <a:gd name="adj2" fmla="val 99606"/>
+              <a:gd name="adj3" fmla="val 135622"/>
+              <a:gd name="adj4" fmla="val 182673"/>
+            </a:avLst>
+          </a:prstGeom>
+          <a:solidFill>
+            <a:schemeClr val="bg1"/>
+          </a:solidFill>
+        </p:spPr>
+        <p:style>
+          <a:lnRef idx="2">
+            <a:schemeClr val="accent1">
+              <a:shade val="50000"/>
+            </a:schemeClr>
+          </a:lnRef>
+          <a:fillRef idx="1">
+            <a:schemeClr val="accent1"/>
+          </a:fillRef>
+          <a:effectRef idx="0">
+            <a:schemeClr val="accent1"/>
+          </a:effectRef>
+          <a:fontRef idx="minor">
+            <a:schemeClr val="lt1"/>
+          </a:fontRef>
+        </p:style>
+        <p:txBody>
+          <a:bodyPr rtlCol="0" anchor="ctr"/>
+          <a:lstStyle/>
+          <a:p>
+            <a:pPr algn="ctr"/>
+            <a:r>
+              <a:rPr lang="en-US" dirty="0">
+                <a:solidFill>
+                  <a:sysClr val="windowText" lastClr="000000"/>
+                </a:solidFill>
+              </a:rPr>
+              <a:t>Look left</a:t>
+            </a:r>
+          </a:p>
+        </p:txBody>
+      </p:sp>
+    </p:spTree>
+    <p:extLst>
+      <p:ext uri="{BB962C8B-B14F-4D97-AF65-F5344CB8AC3E}">
+        <p14:creationId xmlns:p14="http://schemas.microsoft.com/office/powerpoint/2010/main" val="508915257"/>
+      </p:ext>
+    </p:extLst>
+  </p:cSld>
+  <p:clrMapOvr>
+    <a:masterClrMapping/>
+  </p:clrMapOvr>
+</p:sld>
+</file>
+
 <file path=ppt/theme/theme1.xml><?xml version="1.0" encoding="utf-8"?>
 <a:theme xmlns:a="http://schemas.openxmlformats.org/drawingml/2006/main" name="Office Theme">
   <a:themeElements>
